--- a/数据校园App/数据校园App.pptx
+++ b/数据校园App/数据校园App.pptx
@@ -11,6 +11,7 @@
     <p:sldId id="259" r:id="rId5"/>
     <p:sldId id="260" r:id="rId6"/>
     <p:sldId id="258" r:id="rId7"/>
+    <p:sldId id="262" r:id="rId8"/>
   </p:sldIdLst>
   <p:sldSz cx="9144000" cy="6858000" type="screen4x3"/>
   <p:notesSz cx="6858000" cy="9144000"/>
@@ -294,7 +295,7 @@
             <a:fld id="{7AC3C1D2-E5F3-495C-A075-D3DEC349869A}" type="datetimeFigureOut">
               <a:rPr lang="zh-CN" altLang="en-US" smtClean="0"/>
               <a:pPr/>
-              <a:t>2015-11-26</a:t>
+              <a:t>2015/12/13</a:t>
             </a:fld>
             <a:endParaRPr lang="zh-CN" altLang="en-US"/>
           </a:p>
@@ -466,7 +467,7 @@
             <a:fld id="{7AC3C1D2-E5F3-495C-A075-D3DEC349869A}" type="datetimeFigureOut">
               <a:rPr lang="zh-CN" altLang="en-US" smtClean="0"/>
               <a:pPr/>
-              <a:t>2015-11-26</a:t>
+              <a:t>2015/12/13</a:t>
             </a:fld>
             <a:endParaRPr lang="zh-CN" altLang="en-US"/>
           </a:p>
@@ -648,7 +649,7 @@
             <a:fld id="{7AC3C1D2-E5F3-495C-A075-D3DEC349869A}" type="datetimeFigureOut">
               <a:rPr lang="zh-CN" altLang="en-US" smtClean="0"/>
               <a:pPr/>
-              <a:t>2015-11-26</a:t>
+              <a:t>2015/12/13</a:t>
             </a:fld>
             <a:endParaRPr lang="zh-CN" altLang="en-US"/>
           </a:p>
@@ -820,7 +821,7 @@
             <a:fld id="{7AC3C1D2-E5F3-495C-A075-D3DEC349869A}" type="datetimeFigureOut">
               <a:rPr lang="zh-CN" altLang="en-US" smtClean="0"/>
               <a:pPr/>
-              <a:t>2015-11-26</a:t>
+              <a:t>2015/12/13</a:t>
             </a:fld>
             <a:endParaRPr lang="zh-CN" altLang="en-US"/>
           </a:p>
@@ -1068,7 +1069,7 @@
             <a:fld id="{7AC3C1D2-E5F3-495C-A075-D3DEC349869A}" type="datetimeFigureOut">
               <a:rPr lang="zh-CN" altLang="en-US" smtClean="0"/>
               <a:pPr/>
-              <a:t>2015-11-26</a:t>
+              <a:t>2015/12/13</a:t>
             </a:fld>
             <a:endParaRPr lang="zh-CN" altLang="en-US"/>
           </a:p>
@@ -1358,7 +1359,7 @@
             <a:fld id="{7AC3C1D2-E5F3-495C-A075-D3DEC349869A}" type="datetimeFigureOut">
               <a:rPr lang="zh-CN" altLang="en-US" smtClean="0"/>
               <a:pPr/>
-              <a:t>2015-11-26</a:t>
+              <a:t>2015/12/13</a:t>
             </a:fld>
             <a:endParaRPr lang="zh-CN" altLang="en-US"/>
           </a:p>
@@ -1782,7 +1783,7 @@
             <a:fld id="{7AC3C1D2-E5F3-495C-A075-D3DEC349869A}" type="datetimeFigureOut">
               <a:rPr lang="zh-CN" altLang="en-US" smtClean="0"/>
               <a:pPr/>
-              <a:t>2015-11-26</a:t>
+              <a:t>2015/12/13</a:t>
             </a:fld>
             <a:endParaRPr lang="zh-CN" altLang="en-US"/>
           </a:p>
@@ -1902,7 +1903,7 @@
             <a:fld id="{7AC3C1D2-E5F3-495C-A075-D3DEC349869A}" type="datetimeFigureOut">
               <a:rPr lang="zh-CN" altLang="en-US" smtClean="0"/>
               <a:pPr/>
-              <a:t>2015-11-26</a:t>
+              <a:t>2015/12/13</a:t>
             </a:fld>
             <a:endParaRPr lang="zh-CN" altLang="en-US"/>
           </a:p>
@@ -1999,7 +2000,7 @@
             <a:fld id="{7AC3C1D2-E5F3-495C-A075-D3DEC349869A}" type="datetimeFigureOut">
               <a:rPr lang="zh-CN" altLang="en-US" smtClean="0"/>
               <a:pPr/>
-              <a:t>2015-11-26</a:t>
+              <a:t>2015/12/13</a:t>
             </a:fld>
             <a:endParaRPr lang="zh-CN" altLang="en-US"/>
           </a:p>
@@ -2278,7 +2279,7 @@
             <a:fld id="{7AC3C1D2-E5F3-495C-A075-D3DEC349869A}" type="datetimeFigureOut">
               <a:rPr lang="zh-CN" altLang="en-US" smtClean="0"/>
               <a:pPr/>
-              <a:t>2015-11-26</a:t>
+              <a:t>2015/12/13</a:t>
             </a:fld>
             <a:endParaRPr lang="zh-CN" altLang="en-US"/>
           </a:p>
@@ -2533,7 +2534,7 @@
             <a:fld id="{7AC3C1D2-E5F3-495C-A075-D3DEC349869A}" type="datetimeFigureOut">
               <a:rPr lang="zh-CN" altLang="en-US" smtClean="0"/>
               <a:pPr/>
-              <a:t>2015-11-26</a:t>
+              <a:t>2015/12/13</a:t>
             </a:fld>
             <a:endParaRPr lang="zh-CN" altLang="en-US"/>
           </a:p>
@@ -2748,7 +2749,7 @@
             <a:fld id="{7AC3C1D2-E5F3-495C-A075-D3DEC349869A}" type="datetimeFigureOut">
               <a:rPr lang="zh-CN" altLang="en-US" smtClean="0"/>
               <a:pPr/>
-              <a:t>2015-11-26</a:t>
+              <a:t>2015/12/13</a:t>
             </a:fld>
             <a:endParaRPr lang="zh-CN" altLang="en-US"/>
           </a:p>
@@ -3421,6 +3422,13 @@
   <p:clrMapOvr>
     <a:masterClrMapping/>
   </p:clrMapOvr>
+  <p:timing>
+    <p:tnLst>
+      <p:par>
+        <p:cTn id="1" dur="indefinite" restart="never" nodeType="tmRoot"/>
+      </p:par>
+    </p:tnLst>
+  </p:timing>
 </p:sld>
 </file>
 
@@ -5908,7 +5916,7 @@
         </p:nvSpPr>
         <p:spPr>
           <a:xfrm>
-            <a:off x="1809403" y="1196752"/>
+            <a:off x="5220072" y="1082353"/>
             <a:ext cx="746373" cy="364232"/>
           </a:xfrm>
           <a:prstGeom prst="rect">
@@ -5997,6 +6005,193 @@
           <a:p>
             <a:pPr algn="ctr"/>
             <a:endParaRPr lang="zh-CN" altLang="en-US" sz="1200" dirty="0"/>
+          </a:p>
+        </p:txBody>
+      </p:sp>
+      <p:sp>
+        <p:nvSpPr>
+          <p:cNvPr id="20" name="TextBox 19"/>
+          <p:cNvSpPr txBox="1"/>
+          <p:nvPr/>
+        </p:nvSpPr>
+        <p:spPr>
+          <a:xfrm>
+            <a:off x="6588224" y="620688"/>
+            <a:ext cx="2492990" cy="461665"/>
+          </a:xfrm>
+          <a:prstGeom prst="rect">
+            <a:avLst/>
+          </a:prstGeom>
+        </p:spPr>
+        <p:style>
+          <a:lnRef idx="1">
+            <a:schemeClr val="accent3"/>
+          </a:lnRef>
+          <a:fillRef idx="2">
+            <a:schemeClr val="accent3"/>
+          </a:fillRef>
+          <a:effectRef idx="1">
+            <a:schemeClr val="accent3"/>
+          </a:effectRef>
+          <a:fontRef idx="minor">
+            <a:schemeClr val="dk1"/>
+          </a:fontRef>
+        </p:style>
+        <p:txBody>
+          <a:bodyPr wrap="none" rtlCol="0">
+            <a:spAutoFit/>
+          </a:bodyPr>
+          <a:lstStyle/>
+          <a:p>
+            <a:r>
+              <a:rPr lang="zh-CN" altLang="en-US" sz="1200" dirty="0" smtClean="0"/>
+              <a:t>多选班级、查看只能查看当前班级</a:t>
+            </a:r>
+            <a:endParaRPr lang="en-US" altLang="zh-CN" sz="1200" dirty="0" smtClean="0"/>
+          </a:p>
+          <a:p>
+            <a:r>
+              <a:rPr lang="zh-CN" altLang="en-US" sz="1200" dirty="0" smtClean="0"/>
+              <a:t>需要查看其它班级手动切换</a:t>
+            </a:r>
+            <a:endParaRPr lang="zh-CN" altLang="en-US" sz="1200" dirty="0"/>
+          </a:p>
+        </p:txBody>
+      </p:sp>
+      <p:sp>
+        <p:nvSpPr>
+          <p:cNvPr id="22" name="矩形 21"/>
+          <p:cNvSpPr/>
+          <p:nvPr/>
+        </p:nvSpPr>
+        <p:spPr>
+          <a:xfrm>
+            <a:off x="6588224" y="5369024"/>
+            <a:ext cx="864096" cy="364232"/>
+          </a:xfrm>
+          <a:prstGeom prst="rect">
+            <a:avLst/>
+          </a:prstGeom>
+        </p:spPr>
+        <p:style>
+          <a:lnRef idx="2">
+            <a:schemeClr val="accent1">
+              <a:shade val="50000"/>
+            </a:schemeClr>
+          </a:lnRef>
+          <a:fillRef idx="1">
+            <a:schemeClr val="accent1"/>
+          </a:fillRef>
+          <a:effectRef idx="0">
+            <a:schemeClr val="accent1"/>
+          </a:effectRef>
+          <a:fontRef idx="minor">
+            <a:schemeClr val="lt1"/>
+          </a:fontRef>
+        </p:style>
+        <p:txBody>
+          <a:bodyPr rtlCol="0" anchor="ctr"/>
+          <a:lstStyle/>
+          <a:p>
+            <a:pPr algn="ctr"/>
+            <a:r>
+              <a:rPr lang="zh-CN" altLang="en-US" dirty="0" smtClean="0"/>
+              <a:t>分享</a:t>
+            </a:r>
+            <a:endParaRPr lang="zh-CN" altLang="en-US" dirty="0"/>
+          </a:p>
+        </p:txBody>
+      </p:sp>
+      <p:cxnSp>
+        <p:nvCxnSpPr>
+          <p:cNvPr id="16" name="直接箭头连接符 15"/>
+          <p:cNvCxnSpPr/>
+          <p:nvPr/>
+        </p:nvCxnSpPr>
+        <p:spPr>
+          <a:xfrm flipH="1" flipV="1">
+            <a:off x="7466797" y="5551140"/>
+            <a:ext cx="504056" cy="259224"/>
+          </a:xfrm>
+          <a:prstGeom prst="straightConnector1">
+            <a:avLst/>
+          </a:prstGeom>
+          <a:ln>
+            <a:tailEnd type="arrow"/>
+          </a:ln>
+        </p:spPr>
+        <p:style>
+          <a:lnRef idx="1">
+            <a:schemeClr val="accent1"/>
+          </a:lnRef>
+          <a:fillRef idx="0">
+            <a:schemeClr val="accent1"/>
+          </a:fillRef>
+          <a:effectRef idx="0">
+            <a:schemeClr val="accent1"/>
+          </a:effectRef>
+          <a:fontRef idx="minor">
+            <a:schemeClr val="tx1"/>
+          </a:fontRef>
+        </p:style>
+      </p:cxnSp>
+      <p:sp>
+        <p:nvSpPr>
+          <p:cNvPr id="18" name="TextBox 17"/>
+          <p:cNvSpPr txBox="1"/>
+          <p:nvPr/>
+        </p:nvSpPr>
+        <p:spPr>
+          <a:xfrm>
+            <a:off x="7851062" y="5805264"/>
+            <a:ext cx="1080119" cy="461665"/>
+          </a:xfrm>
+          <a:prstGeom prst="rect">
+            <a:avLst/>
+          </a:prstGeom>
+          <a:noFill/>
+        </p:spPr>
+        <p:txBody>
+          <a:bodyPr wrap="square" rtlCol="0">
+            <a:spAutoFit/>
+          </a:bodyPr>
+          <a:lstStyle/>
+          <a:p>
+            <a:r>
+              <a:rPr lang="zh-CN" altLang="en-US" sz="1200" dirty="0" smtClean="0"/>
+              <a:t>选择班级，选择文件夹</a:t>
+            </a:r>
+            <a:endParaRPr lang="zh-CN" altLang="en-US" sz="1200" dirty="0"/>
+          </a:p>
+        </p:txBody>
+      </p:sp>
+      <p:sp>
+        <p:nvSpPr>
+          <p:cNvPr id="27" name="矩形 26"/>
+          <p:cNvSpPr/>
+          <p:nvPr/>
+        </p:nvSpPr>
+        <p:spPr>
+          <a:xfrm>
+            <a:off x="1264855" y="1068702"/>
+            <a:ext cx="3877985" cy="369332"/>
+          </a:xfrm>
+          <a:prstGeom prst="rect">
+            <a:avLst/>
+          </a:prstGeom>
+        </p:spPr>
+        <p:txBody>
+          <a:bodyPr wrap="none">
+            <a:spAutoFit/>
+          </a:bodyPr>
+          <a:lstStyle/>
+          <a:p>
+            <a:pPr algn="ctr"/>
+            <a:r>
+              <a:rPr lang="zh-CN" altLang="en-US" dirty="0" smtClean="0"/>
+              <a:t>老师上传必须选定上传到哪个文件夹</a:t>
+            </a:r>
+            <a:endParaRPr lang="zh-CN" altLang="en-US" dirty="0"/>
           </a:p>
         </p:txBody>
       </p:sp>
@@ -6044,7 +6239,7 @@
         </p:nvSpPr>
         <p:spPr>
           <a:xfrm>
-            <a:off x="395536" y="188640"/>
+            <a:off x="467544" y="181047"/>
             <a:ext cx="8229600" cy="1143000"/>
           </a:xfrm>
         </p:spPr>
@@ -6070,24 +6265,18 @@
       </p:sp>
       <p:sp>
         <p:nvSpPr>
-          <p:cNvPr id="4" name="矩形 3"/>
+          <p:cNvPr id="24" name="矩形 23"/>
           <p:cNvSpPr/>
           <p:nvPr/>
         </p:nvSpPr>
         <p:spPr>
           <a:xfrm>
-            <a:off x="107504" y="1700808"/>
-            <a:ext cx="2664296" cy="4104456"/>
+            <a:off x="2097435" y="1196752"/>
+            <a:ext cx="746373" cy="364232"/>
           </a:xfrm>
           <a:prstGeom prst="rect">
             <a:avLst/>
           </a:prstGeom>
-          <a:solidFill>
-            <a:schemeClr val="accent3">
-              <a:lumMod val="60000"/>
-              <a:lumOff val="40000"/>
-            </a:schemeClr>
-          </a:solidFill>
         </p:spPr>
         <p:style>
           <a:lnRef idx="2">
@@ -6110,346 +6299,6 @@
           <a:lstStyle/>
           <a:p>
             <a:pPr algn="ctr"/>
-            <a:endParaRPr lang="zh-CN" altLang="en-US" dirty="0"/>
-          </a:p>
-        </p:txBody>
-      </p:sp>
-      <p:sp>
-        <p:nvSpPr>
-          <p:cNvPr id="6" name="矩形 5"/>
-          <p:cNvSpPr/>
-          <p:nvPr/>
-        </p:nvSpPr>
-        <p:spPr>
-          <a:xfrm>
-            <a:off x="467544" y="2060848"/>
-            <a:ext cx="648072" cy="720080"/>
-          </a:xfrm>
-          <a:prstGeom prst="rect">
-            <a:avLst/>
-          </a:prstGeom>
-        </p:spPr>
-        <p:style>
-          <a:lnRef idx="2">
-            <a:schemeClr val="accent1">
-              <a:shade val="50000"/>
-            </a:schemeClr>
-          </a:lnRef>
-          <a:fillRef idx="1">
-            <a:schemeClr val="accent1"/>
-          </a:fillRef>
-          <a:effectRef idx="0">
-            <a:schemeClr val="accent1"/>
-          </a:effectRef>
-          <a:fontRef idx="minor">
-            <a:schemeClr val="lt1"/>
-          </a:fontRef>
-        </p:style>
-        <p:txBody>
-          <a:bodyPr rtlCol="0" anchor="ctr"/>
-          <a:lstStyle/>
-          <a:p>
-            <a:pPr algn="ctr"/>
-            <a:endParaRPr lang="zh-CN" altLang="en-US"/>
-          </a:p>
-        </p:txBody>
-      </p:sp>
-      <p:sp>
-        <p:nvSpPr>
-          <p:cNvPr id="8" name="TextBox 7"/>
-          <p:cNvSpPr txBox="1"/>
-          <p:nvPr/>
-        </p:nvSpPr>
-        <p:spPr>
-          <a:xfrm>
-            <a:off x="539552" y="2852936"/>
-            <a:ext cx="569387" cy="246221"/>
-          </a:xfrm>
-          <a:prstGeom prst="rect">
-            <a:avLst/>
-          </a:prstGeom>
-          <a:noFill/>
-        </p:spPr>
-        <p:txBody>
-          <a:bodyPr wrap="none" rtlCol="0">
-            <a:spAutoFit/>
-          </a:bodyPr>
-          <a:lstStyle/>
-          <a:p>
-            <a:r>
-              <a:rPr lang="zh-CN" altLang="en-US" sz="1000" dirty="0" smtClean="0"/>
-              <a:t>黄龙溪</a:t>
-            </a:r>
-            <a:endParaRPr lang="zh-CN" altLang="en-US" sz="1000" dirty="0"/>
-          </a:p>
-        </p:txBody>
-      </p:sp>
-      <p:sp>
-        <p:nvSpPr>
-          <p:cNvPr id="9" name="矩形 8"/>
-          <p:cNvSpPr/>
-          <p:nvPr/>
-        </p:nvSpPr>
-        <p:spPr>
-          <a:xfrm>
-            <a:off x="1763688" y="2060848"/>
-            <a:ext cx="648072" cy="720080"/>
-          </a:xfrm>
-          <a:prstGeom prst="rect">
-            <a:avLst/>
-          </a:prstGeom>
-        </p:spPr>
-        <p:style>
-          <a:lnRef idx="2">
-            <a:schemeClr val="accent1">
-              <a:shade val="50000"/>
-            </a:schemeClr>
-          </a:lnRef>
-          <a:fillRef idx="1">
-            <a:schemeClr val="accent1"/>
-          </a:fillRef>
-          <a:effectRef idx="0">
-            <a:schemeClr val="accent1"/>
-          </a:effectRef>
-          <a:fontRef idx="minor">
-            <a:schemeClr val="lt1"/>
-          </a:fontRef>
-        </p:style>
-        <p:txBody>
-          <a:bodyPr rtlCol="0" anchor="ctr"/>
-          <a:lstStyle/>
-          <a:p>
-            <a:pPr algn="ctr"/>
-            <a:endParaRPr lang="zh-CN" altLang="en-US"/>
-          </a:p>
-        </p:txBody>
-      </p:sp>
-      <p:sp>
-        <p:nvSpPr>
-          <p:cNvPr id="10" name="TextBox 9"/>
-          <p:cNvSpPr txBox="1"/>
-          <p:nvPr/>
-        </p:nvSpPr>
-        <p:spPr>
-          <a:xfrm>
-            <a:off x="1835696" y="2852936"/>
-            <a:ext cx="569387" cy="246221"/>
-          </a:xfrm>
-          <a:prstGeom prst="rect">
-            <a:avLst/>
-          </a:prstGeom>
-          <a:noFill/>
-        </p:spPr>
-        <p:txBody>
-          <a:bodyPr wrap="none" rtlCol="0">
-            <a:spAutoFit/>
-          </a:bodyPr>
-          <a:lstStyle/>
-          <a:p>
-            <a:r>
-              <a:rPr lang="zh-CN" altLang="en-US" sz="1000" dirty="0" smtClean="0"/>
-              <a:t>九寨沟</a:t>
-            </a:r>
-            <a:endParaRPr lang="zh-CN" altLang="en-US" sz="1000" dirty="0"/>
-          </a:p>
-        </p:txBody>
-      </p:sp>
-      <p:sp>
-        <p:nvSpPr>
-          <p:cNvPr id="11" name="矩形 10"/>
-          <p:cNvSpPr/>
-          <p:nvPr/>
-        </p:nvSpPr>
-        <p:spPr>
-          <a:xfrm>
-            <a:off x="467544" y="3356992"/>
-            <a:ext cx="648072" cy="720080"/>
-          </a:xfrm>
-          <a:prstGeom prst="rect">
-            <a:avLst/>
-          </a:prstGeom>
-        </p:spPr>
-        <p:style>
-          <a:lnRef idx="2">
-            <a:schemeClr val="accent1">
-              <a:shade val="50000"/>
-            </a:schemeClr>
-          </a:lnRef>
-          <a:fillRef idx="1">
-            <a:schemeClr val="accent1"/>
-          </a:fillRef>
-          <a:effectRef idx="0">
-            <a:schemeClr val="accent1"/>
-          </a:effectRef>
-          <a:fontRef idx="minor">
-            <a:schemeClr val="lt1"/>
-          </a:fontRef>
-        </p:style>
-        <p:txBody>
-          <a:bodyPr rtlCol="0" anchor="ctr"/>
-          <a:lstStyle/>
-          <a:p>
-            <a:pPr algn="ctr"/>
-            <a:endParaRPr lang="zh-CN" altLang="en-US"/>
-          </a:p>
-        </p:txBody>
-      </p:sp>
-      <p:sp>
-        <p:nvSpPr>
-          <p:cNvPr id="12" name="TextBox 11"/>
-          <p:cNvSpPr txBox="1"/>
-          <p:nvPr/>
-        </p:nvSpPr>
-        <p:spPr>
-          <a:xfrm>
-            <a:off x="539552" y="4149080"/>
-            <a:ext cx="569387" cy="246221"/>
-          </a:xfrm>
-          <a:prstGeom prst="rect">
-            <a:avLst/>
-          </a:prstGeom>
-          <a:noFill/>
-        </p:spPr>
-        <p:txBody>
-          <a:bodyPr wrap="none" rtlCol="0">
-            <a:spAutoFit/>
-          </a:bodyPr>
-          <a:lstStyle/>
-          <a:p>
-            <a:r>
-              <a:rPr lang="zh-CN" altLang="en-US" sz="1000" dirty="0" smtClean="0"/>
-              <a:t>运动会</a:t>
-            </a:r>
-            <a:endParaRPr lang="en-US" altLang="zh-CN" sz="1000" dirty="0" smtClean="0"/>
-          </a:p>
-        </p:txBody>
-      </p:sp>
-      <p:sp>
-        <p:nvSpPr>
-          <p:cNvPr id="13" name="TextBox 12"/>
-          <p:cNvSpPr txBox="1"/>
-          <p:nvPr/>
-        </p:nvSpPr>
-        <p:spPr>
-          <a:xfrm>
-            <a:off x="539552" y="2276872"/>
-            <a:ext cx="569387" cy="246221"/>
-          </a:xfrm>
-          <a:prstGeom prst="rect">
-            <a:avLst/>
-          </a:prstGeom>
-          <a:noFill/>
-        </p:spPr>
-        <p:txBody>
-          <a:bodyPr wrap="none" rtlCol="0">
-            <a:spAutoFit/>
-          </a:bodyPr>
-          <a:lstStyle/>
-          <a:p>
-            <a:r>
-              <a:rPr lang="zh-CN" altLang="en-US" sz="1000" dirty="0" smtClean="0"/>
-              <a:t>文件夹</a:t>
-            </a:r>
-            <a:endParaRPr lang="zh-CN" altLang="en-US" sz="1000" dirty="0"/>
-          </a:p>
-        </p:txBody>
-      </p:sp>
-      <p:sp>
-        <p:nvSpPr>
-          <p:cNvPr id="14" name="TextBox 13"/>
-          <p:cNvSpPr txBox="1"/>
-          <p:nvPr/>
-        </p:nvSpPr>
-        <p:spPr>
-          <a:xfrm>
-            <a:off x="1835696" y="2276872"/>
-            <a:ext cx="569387" cy="246221"/>
-          </a:xfrm>
-          <a:prstGeom prst="rect">
-            <a:avLst/>
-          </a:prstGeom>
-          <a:noFill/>
-        </p:spPr>
-        <p:txBody>
-          <a:bodyPr wrap="none" rtlCol="0">
-            <a:spAutoFit/>
-          </a:bodyPr>
-          <a:lstStyle/>
-          <a:p>
-            <a:r>
-              <a:rPr lang="zh-CN" altLang="en-US" sz="1000" dirty="0" smtClean="0"/>
-              <a:t>文件夹</a:t>
-            </a:r>
-            <a:endParaRPr lang="zh-CN" altLang="en-US" sz="1000" dirty="0"/>
-          </a:p>
-        </p:txBody>
-      </p:sp>
-      <p:sp>
-        <p:nvSpPr>
-          <p:cNvPr id="15" name="TextBox 14"/>
-          <p:cNvSpPr txBox="1"/>
-          <p:nvPr/>
-        </p:nvSpPr>
-        <p:spPr>
-          <a:xfrm>
-            <a:off x="539552" y="3573016"/>
-            <a:ext cx="569387" cy="246221"/>
-          </a:xfrm>
-          <a:prstGeom prst="rect">
-            <a:avLst/>
-          </a:prstGeom>
-          <a:noFill/>
-        </p:spPr>
-        <p:txBody>
-          <a:bodyPr wrap="none" rtlCol="0">
-            <a:spAutoFit/>
-          </a:bodyPr>
-          <a:lstStyle/>
-          <a:p>
-            <a:r>
-              <a:rPr lang="zh-CN" altLang="en-US" sz="1000" dirty="0" smtClean="0"/>
-              <a:t>文件夹</a:t>
-            </a:r>
-            <a:endParaRPr lang="zh-CN" altLang="en-US" sz="1000" dirty="0"/>
-          </a:p>
-        </p:txBody>
-      </p:sp>
-      <p:sp>
-        <p:nvSpPr>
-          <p:cNvPr id="24" name="矩形 23"/>
-          <p:cNvSpPr/>
-          <p:nvPr/>
-        </p:nvSpPr>
-        <p:spPr>
-          <a:xfrm>
-            <a:off x="1809403" y="1196752"/>
-            <a:ext cx="746373" cy="364232"/>
-          </a:xfrm>
-          <a:prstGeom prst="rect">
-            <a:avLst/>
-          </a:prstGeom>
-        </p:spPr>
-        <p:style>
-          <a:lnRef idx="2">
-            <a:schemeClr val="accent1">
-              <a:shade val="50000"/>
-            </a:schemeClr>
-          </a:lnRef>
-          <a:fillRef idx="1">
-            <a:schemeClr val="accent1"/>
-          </a:fillRef>
-          <a:effectRef idx="0">
-            <a:schemeClr val="accent1"/>
-          </a:effectRef>
-          <a:fontRef idx="minor">
-            <a:schemeClr val="lt1"/>
-          </a:fontRef>
-        </p:style>
-        <p:txBody>
-          <a:bodyPr rtlCol="0" anchor="ctr"/>
-          <a:lstStyle/>
-          <a:p>
-            <a:pPr algn="ctr"/>
             <a:r>
               <a:rPr lang="zh-CN" altLang="en-US" dirty="0" smtClean="0"/>
               <a:t>拍摄</a:t>
@@ -6461,15 +6310,13 @@
       <p:cxnSp>
         <p:nvCxnSpPr>
           <p:cNvPr id="21" name="直接箭头连接符 20"/>
-          <p:cNvCxnSpPr>
-            <a:stCxn id="24" idx="3"/>
-          </p:cNvCxnSpPr>
+          <p:cNvCxnSpPr/>
           <p:nvPr/>
         </p:nvCxnSpPr>
         <p:spPr>
           <a:xfrm>
-            <a:off x="2555776" y="1378868"/>
-            <a:ext cx="1296144" cy="1186036"/>
+            <a:off x="2987824" y="1560984"/>
+            <a:ext cx="864096" cy="1003920"/>
           </a:xfrm>
           <a:prstGeom prst="straightConnector1">
             <a:avLst/>
@@ -6601,8 +6448,8 @@
         </p:nvSpPr>
         <p:spPr>
           <a:xfrm>
-            <a:off x="4721239" y="1484784"/>
-            <a:ext cx="3877985" cy="369332"/>
+            <a:off x="3563888" y="1560984"/>
+            <a:ext cx="2723823" cy="369332"/>
           </a:xfrm>
           <a:prstGeom prst="rect">
             <a:avLst/>
@@ -6617,12 +6464,48 @@
             <a:pPr algn="ctr"/>
             <a:r>
               <a:rPr lang="zh-CN" altLang="en-US" dirty="0" smtClean="0"/>
-              <a:t>老师上传必须选定上传到哪个文件夹</a:t>
+              <a:t>老师上</a:t>
+            </a:r>
+            <a:r>
+              <a:rPr lang="zh-CN" altLang="en-US" dirty="0" smtClean="0"/>
+              <a:t>传到对应文件夹内</a:t>
             </a:r>
             <a:endParaRPr lang="zh-CN" altLang="en-US" dirty="0"/>
           </a:p>
         </p:txBody>
       </p:sp>
+      <p:pic>
+        <p:nvPicPr>
+          <p:cNvPr id="19" name="Picture 2"/>
+          <p:cNvPicPr>
+            <a:picLocks noChangeAspect="1" noChangeArrowheads="1"/>
+          </p:cNvPicPr>
+          <p:nvPr/>
+        </p:nvPicPr>
+        <p:blipFill>
+          <a:blip r:embed="rId4" cstate="print"/>
+          <a:srcRect/>
+          <a:stretch>
+            <a:fillRect/>
+          </a:stretch>
+        </p:blipFill>
+        <p:spPr bwMode="auto">
+          <a:xfrm>
+            <a:off x="107504" y="1560984"/>
+            <a:ext cx="2808312" cy="4176464"/>
+          </a:xfrm>
+          <a:prstGeom prst="rect">
+            <a:avLst/>
+          </a:prstGeom>
+          <a:noFill/>
+          <a:ln w="9525">
+            <a:noFill/>
+            <a:miter lim="800000"/>
+            <a:headEnd/>
+            <a:tailEnd/>
+          </a:ln>
+        </p:spPr>
+      </p:pic>
     </p:spTree>
   </p:cSld>
   <p:clrMapOvr>
@@ -6981,7 +6864,15 @@
           <a:p>
             <a:r>
               <a:rPr lang="zh-CN" altLang="en-US" dirty="0" smtClean="0"/>
-              <a:t>选班级， 选择类别，写内容，确认后发布，可删除</a:t>
+              <a:t>选</a:t>
+            </a:r>
+            <a:r>
+              <a:rPr lang="zh-CN" altLang="en-US" dirty="0" smtClean="0"/>
+              <a:t>班级， </a:t>
+            </a:r>
+            <a:r>
+              <a:rPr lang="zh-CN" altLang="en-US" dirty="0" smtClean="0"/>
+              <a:t>选择类别，写内容，确认后发布，可删除</a:t>
             </a:r>
             <a:endParaRPr lang="zh-CN" altLang="en-US" dirty="0"/>
           </a:p>
@@ -7014,6 +6905,191 @@
               <a:t>（类别：作业、通知）</a:t>
             </a:r>
             <a:endParaRPr lang="zh-CN" altLang="en-US" dirty="0"/>
+          </a:p>
+        </p:txBody>
+      </p:sp>
+      <p:cxnSp>
+        <p:nvCxnSpPr>
+          <p:cNvPr id="5" name="直接箭头连接符 4"/>
+          <p:cNvCxnSpPr/>
+          <p:nvPr/>
+        </p:nvCxnSpPr>
+        <p:spPr>
+          <a:xfrm flipV="1">
+            <a:off x="7596336" y="2312876"/>
+            <a:ext cx="0" cy="972108"/>
+          </a:xfrm>
+          <a:prstGeom prst="straightConnector1">
+            <a:avLst/>
+          </a:prstGeom>
+          <a:ln>
+            <a:tailEnd type="arrow"/>
+          </a:ln>
+        </p:spPr>
+        <p:style>
+          <a:lnRef idx="1">
+            <a:schemeClr val="accent1"/>
+          </a:lnRef>
+          <a:fillRef idx="0">
+            <a:schemeClr val="accent1"/>
+          </a:fillRef>
+          <a:effectRef idx="0">
+            <a:schemeClr val="accent1"/>
+          </a:effectRef>
+          <a:fontRef idx="minor">
+            <a:schemeClr val="tx1"/>
+          </a:fontRef>
+        </p:style>
+      </p:cxnSp>
+      <p:sp>
+        <p:nvSpPr>
+          <p:cNvPr id="10" name="矩形 9"/>
+          <p:cNvSpPr/>
+          <p:nvPr/>
+        </p:nvSpPr>
+        <p:spPr>
+          <a:xfrm>
+            <a:off x="7524328" y="3429000"/>
+            <a:ext cx="1224136" cy="1350150"/>
+          </a:xfrm>
+          <a:prstGeom prst="rect">
+            <a:avLst/>
+          </a:prstGeom>
+        </p:spPr>
+        <p:style>
+          <a:lnRef idx="2">
+            <a:schemeClr val="accent1">
+              <a:shade val="50000"/>
+            </a:schemeClr>
+          </a:lnRef>
+          <a:fillRef idx="1">
+            <a:schemeClr val="accent1"/>
+          </a:fillRef>
+          <a:effectRef idx="0">
+            <a:schemeClr val="accent1"/>
+          </a:effectRef>
+          <a:fontRef idx="minor">
+            <a:schemeClr val="lt1"/>
+          </a:fontRef>
+        </p:style>
+        <p:txBody>
+          <a:bodyPr rtlCol="0" anchor="ctr"/>
+          <a:lstStyle/>
+          <a:p>
+            <a:endParaRPr lang="en-US" altLang="zh-CN" sz="1200" dirty="0" smtClean="0"/>
+          </a:p>
+          <a:p>
+            <a:r>
+              <a:rPr lang="zh-CN" altLang="en-US" sz="1200" dirty="0" smtClean="0"/>
+              <a:t>通知</a:t>
+            </a:r>
+            <a:endParaRPr lang="en-US" altLang="zh-CN" sz="1200" dirty="0" smtClean="0"/>
+          </a:p>
+          <a:p>
+            <a:r>
+              <a:rPr lang="zh-CN" altLang="en-US" sz="1200" dirty="0" smtClean="0"/>
+              <a:t>语文作业</a:t>
+            </a:r>
+            <a:endParaRPr lang="en-US" altLang="zh-CN" sz="1200" dirty="0" smtClean="0"/>
+          </a:p>
+          <a:p>
+            <a:r>
+              <a:rPr lang="zh-CN" altLang="en-US" sz="1200" dirty="0" smtClean="0"/>
+              <a:t>数学作业</a:t>
+            </a:r>
+            <a:endParaRPr lang="en-US" altLang="zh-CN" sz="1200" dirty="0" smtClean="0"/>
+          </a:p>
+          <a:p>
+            <a:r>
+              <a:rPr lang="en-US" altLang="zh-CN" sz="1200" dirty="0" smtClean="0"/>
+              <a:t>…</a:t>
+            </a:r>
+          </a:p>
+          <a:p>
+            <a:endParaRPr lang="zh-CN" altLang="en-US" sz="1200" dirty="0"/>
+          </a:p>
+        </p:txBody>
+      </p:sp>
+      <p:cxnSp>
+        <p:nvCxnSpPr>
+          <p:cNvPr id="19" name="直接箭头连接符 18"/>
+          <p:cNvCxnSpPr/>
+          <p:nvPr/>
+        </p:nvCxnSpPr>
+        <p:spPr>
+          <a:xfrm flipV="1">
+            <a:off x="3091502" y="1305968"/>
+            <a:ext cx="468052" cy="213616"/>
+          </a:xfrm>
+          <a:prstGeom prst="straightConnector1">
+            <a:avLst/>
+          </a:prstGeom>
+          <a:ln>
+            <a:tailEnd type="arrow"/>
+          </a:ln>
+        </p:spPr>
+        <p:style>
+          <a:lnRef idx="1">
+            <a:schemeClr val="accent1"/>
+          </a:lnRef>
+          <a:fillRef idx="0">
+            <a:schemeClr val="accent1"/>
+          </a:fillRef>
+          <a:effectRef idx="0">
+            <a:schemeClr val="accent1"/>
+          </a:effectRef>
+          <a:fontRef idx="minor">
+            <a:schemeClr val="tx1"/>
+          </a:fontRef>
+        </p:style>
+      </p:cxnSp>
+      <p:sp>
+        <p:nvSpPr>
+          <p:cNvPr id="20" name="TextBox 19"/>
+          <p:cNvSpPr txBox="1"/>
+          <p:nvPr/>
+        </p:nvSpPr>
+        <p:spPr>
+          <a:xfrm>
+            <a:off x="494834" y="1486307"/>
+            <a:ext cx="2492990" cy="461665"/>
+          </a:xfrm>
+          <a:prstGeom prst="rect">
+            <a:avLst/>
+          </a:prstGeom>
+        </p:spPr>
+        <p:style>
+          <a:lnRef idx="1">
+            <a:schemeClr val="accent3"/>
+          </a:lnRef>
+          <a:fillRef idx="2">
+            <a:schemeClr val="accent3"/>
+          </a:fillRef>
+          <a:effectRef idx="1">
+            <a:schemeClr val="accent3"/>
+          </a:effectRef>
+          <a:fontRef idx="minor">
+            <a:schemeClr val="dk1"/>
+          </a:fontRef>
+        </p:style>
+        <p:txBody>
+          <a:bodyPr wrap="none" rtlCol="0">
+            <a:spAutoFit/>
+          </a:bodyPr>
+          <a:lstStyle/>
+          <a:p>
+            <a:r>
+              <a:rPr lang="zh-CN" altLang="en-US" sz="1200" dirty="0" smtClean="0"/>
+              <a:t>多选班级、查看只能查看当前班级</a:t>
+            </a:r>
+            <a:endParaRPr lang="en-US" altLang="zh-CN" sz="1200" dirty="0" smtClean="0"/>
+          </a:p>
+          <a:p>
+            <a:r>
+              <a:rPr lang="zh-CN" altLang="en-US" sz="1200" dirty="0" smtClean="0"/>
+              <a:t>需要查看其它班级手动切换</a:t>
+            </a:r>
+            <a:endParaRPr lang="zh-CN" altLang="en-US" sz="1200" dirty="0"/>
           </a:p>
         </p:txBody>
       </p:sp>
@@ -7029,6 +7105,274 @@
       </p:par>
     </p:tnLst>
   </p:timing>
+</p:sld>
+</file>
+
+<file path=ppt/slides/slide7.xml><?xml version="1.0" encoding="utf-8"?>
+<p:sld xmlns:a="http://schemas.openxmlformats.org/drawingml/2006/main" xmlns:r="http://schemas.openxmlformats.org/officeDocument/2006/relationships" xmlns:p="http://schemas.openxmlformats.org/presentationml/2006/main">
+  <p:cSld>
+    <p:spTree>
+      <p:nvGrpSpPr>
+        <p:cNvPr id="1" name=""/>
+        <p:cNvGrpSpPr/>
+        <p:nvPr/>
+      </p:nvGrpSpPr>
+      <p:grpSpPr>
+        <a:xfrm>
+          <a:off x="0" y="0"/>
+          <a:ext cx="0" cy="0"/>
+          <a:chOff x="0" y="0"/>
+          <a:chExt cx="0" cy="0"/>
+        </a:xfrm>
+      </p:grpSpPr>
+      <p:pic>
+        <p:nvPicPr>
+          <p:cNvPr id="4" name="Picture 2"/>
+          <p:cNvPicPr>
+            <a:picLocks noChangeAspect="1" noChangeArrowheads="1"/>
+          </p:cNvPicPr>
+          <p:nvPr/>
+        </p:nvPicPr>
+        <p:blipFill>
+          <a:blip r:embed="rId2" cstate="print"/>
+          <a:srcRect/>
+          <a:stretch>
+            <a:fillRect/>
+          </a:stretch>
+        </p:blipFill>
+        <p:spPr bwMode="auto">
+          <a:xfrm>
+            <a:off x="747900" y="1484784"/>
+            <a:ext cx="3079290" cy="3744416"/>
+          </a:xfrm>
+          <a:prstGeom prst="rect">
+            <a:avLst/>
+          </a:prstGeom>
+          <a:noFill/>
+          <a:ln w="9525">
+            <a:noFill/>
+            <a:miter lim="800000"/>
+            <a:headEnd/>
+            <a:tailEnd/>
+          </a:ln>
+        </p:spPr>
+      </p:pic>
+      <p:sp>
+        <p:nvSpPr>
+          <p:cNvPr id="5" name="圆角矩形 4"/>
+          <p:cNvSpPr/>
+          <p:nvPr/>
+        </p:nvSpPr>
+        <p:spPr>
+          <a:xfrm>
+            <a:off x="4860032" y="1469138"/>
+            <a:ext cx="2432050" cy="2936875"/>
+          </a:xfrm>
+          <a:prstGeom prst="roundRect">
+            <a:avLst/>
+          </a:prstGeom>
+        </p:spPr>
+        <p:style>
+          <a:lnRef idx="1">
+            <a:schemeClr val="accent1"/>
+          </a:lnRef>
+          <a:fillRef idx="2">
+            <a:schemeClr val="accent1"/>
+          </a:fillRef>
+          <a:effectRef idx="1">
+            <a:schemeClr val="accent1"/>
+          </a:effectRef>
+          <a:fontRef idx="minor">
+            <a:schemeClr val="dk1"/>
+          </a:fontRef>
+        </p:style>
+        <p:txBody>
+          <a:bodyPr anchor="ctr"/>
+          <a:lstStyle/>
+          <a:p>
+            <a:pPr algn="ctr">
+              <a:defRPr/>
+            </a:pPr>
+            <a:r>
+              <a:rPr lang="en-US" altLang="zh-CN" dirty="0" err="1" smtClean="0"/>
+              <a:t>WebView</a:t>
+            </a:r>
+            <a:r>
+              <a:rPr lang="en-US" altLang="zh-CN" dirty="0" smtClean="0"/>
+              <a:t> </a:t>
+            </a:r>
+            <a:r>
+              <a:rPr lang="zh-CN" altLang="en-US" dirty="0" smtClean="0"/>
+              <a:t>具体内容</a:t>
+            </a:r>
+            <a:endParaRPr lang="zh-CN" altLang="en-US" dirty="0"/>
+          </a:p>
+        </p:txBody>
+      </p:sp>
+      <p:cxnSp>
+        <p:nvCxnSpPr>
+          <p:cNvPr id="7" name="直接箭头连接符 6"/>
+          <p:cNvCxnSpPr/>
+          <p:nvPr/>
+        </p:nvCxnSpPr>
+        <p:spPr>
+          <a:xfrm>
+            <a:off x="3635896" y="1988840"/>
+            <a:ext cx="1224136" cy="0"/>
+          </a:xfrm>
+          <a:prstGeom prst="straightConnector1">
+            <a:avLst/>
+          </a:prstGeom>
+          <a:ln>
+            <a:tailEnd type="arrow"/>
+          </a:ln>
+        </p:spPr>
+        <p:style>
+          <a:lnRef idx="1">
+            <a:schemeClr val="accent1"/>
+          </a:lnRef>
+          <a:fillRef idx="0">
+            <a:schemeClr val="accent1"/>
+          </a:fillRef>
+          <a:effectRef idx="0">
+            <a:schemeClr val="accent1"/>
+          </a:effectRef>
+          <a:fontRef idx="minor">
+            <a:schemeClr val="tx1"/>
+          </a:fontRef>
+        </p:style>
+      </p:cxnSp>
+      <p:sp>
+        <p:nvSpPr>
+          <p:cNvPr id="8" name="圆角矩形 7"/>
+          <p:cNvSpPr/>
+          <p:nvPr/>
+        </p:nvSpPr>
+        <p:spPr>
+          <a:xfrm>
+            <a:off x="6745141" y="1038522"/>
+            <a:ext cx="515932" cy="402689"/>
+          </a:xfrm>
+          <a:prstGeom prst="roundRect">
+            <a:avLst/>
+          </a:prstGeom>
+        </p:spPr>
+        <p:style>
+          <a:lnRef idx="2">
+            <a:schemeClr val="accent1">
+              <a:shade val="50000"/>
+            </a:schemeClr>
+          </a:lnRef>
+          <a:fillRef idx="1">
+            <a:schemeClr val="accent1"/>
+          </a:fillRef>
+          <a:effectRef idx="0">
+            <a:schemeClr val="accent1"/>
+          </a:effectRef>
+          <a:fontRef idx="minor">
+            <a:schemeClr val="lt1"/>
+          </a:fontRef>
+        </p:style>
+        <p:txBody>
+          <a:bodyPr rtlCol="0" anchor="ctr"/>
+          <a:lstStyle/>
+          <a:p>
+            <a:pPr algn="ctr"/>
+            <a:r>
+              <a:rPr lang="zh-CN" altLang="en-US" sz="1100" dirty="0" smtClean="0"/>
+              <a:t>查看</a:t>
+            </a:r>
+            <a:endParaRPr lang="zh-CN" altLang="en-US" sz="1100" dirty="0"/>
+          </a:p>
+        </p:txBody>
+      </p:sp>
+      <p:cxnSp>
+        <p:nvCxnSpPr>
+          <p:cNvPr id="10" name="直接箭头连接符 9"/>
+          <p:cNvCxnSpPr/>
+          <p:nvPr/>
+        </p:nvCxnSpPr>
+        <p:spPr>
+          <a:xfrm>
+            <a:off x="6907746" y="498623"/>
+            <a:ext cx="93478" cy="489842"/>
+          </a:xfrm>
+          <a:prstGeom prst="straightConnector1">
+            <a:avLst/>
+          </a:prstGeom>
+          <a:ln>
+            <a:tailEnd type="arrow"/>
+          </a:ln>
+        </p:spPr>
+        <p:style>
+          <a:lnRef idx="1">
+            <a:schemeClr val="accent1"/>
+          </a:lnRef>
+          <a:fillRef idx="0">
+            <a:schemeClr val="accent1"/>
+          </a:fillRef>
+          <a:effectRef idx="0">
+            <a:schemeClr val="accent1"/>
+          </a:effectRef>
+          <a:fontRef idx="minor">
+            <a:schemeClr val="tx1"/>
+          </a:fontRef>
+        </p:style>
+      </p:cxnSp>
+      <p:sp>
+        <p:nvSpPr>
+          <p:cNvPr id="12" name="TextBox 11"/>
+          <p:cNvSpPr txBox="1"/>
+          <p:nvPr/>
+        </p:nvSpPr>
+        <p:spPr>
+          <a:xfrm>
+            <a:off x="4995021" y="147271"/>
+            <a:ext cx="3825451" cy="646331"/>
+          </a:xfrm>
+          <a:prstGeom prst="rect">
+            <a:avLst/>
+          </a:prstGeom>
+          <a:noFill/>
+        </p:spPr>
+        <p:txBody>
+          <a:bodyPr wrap="square" rtlCol="0">
+            <a:spAutoFit/>
+          </a:bodyPr>
+          <a:lstStyle/>
+          <a:p>
+            <a:r>
+              <a:rPr lang="zh-CN" altLang="en-US" dirty="0" smtClean="0"/>
+              <a:t>查看未看到此</a:t>
+            </a:r>
+            <a:r>
+              <a:rPr lang="zh-CN" altLang="en-US" dirty="0"/>
+              <a:t>通知</a:t>
+            </a:r>
+            <a:r>
+              <a:rPr lang="en-US" altLang="zh-CN" dirty="0"/>
+              <a:t>/</a:t>
+            </a:r>
+            <a:r>
+              <a:rPr lang="zh-CN" altLang="en-US" dirty="0"/>
+              <a:t>作业的人员</a:t>
+            </a:r>
+          </a:p>
+          <a:p>
+            <a:endParaRPr lang="zh-CN" altLang="en-US" dirty="0"/>
+          </a:p>
+        </p:txBody>
+      </p:sp>
+    </p:spTree>
+    <p:extLst>
+      <p:ext uri="{BB962C8B-B14F-4D97-AF65-F5344CB8AC3E}">
+        <p14:creationId xmlns:p14="http://schemas.microsoft.com/office/powerpoint/2010/main" val="2754851195"/>
+      </p:ext>
+    </p:extLst>
+  </p:cSld>
+  <p:clrMapOvr>
+    <a:masterClrMapping/>
+  </p:clrMapOvr>
 </p:sld>
 </file>
 
